--- a/Presentation/Haikal-Project.pptx
+++ b/Presentation/Haikal-Project.pptx
@@ -112,6 +112,11 @@
       </a:defRPr>
     </a:lvl9pPr>
   </p:defaultTextStyle>
+  <p:extLst>
+    <p:ext uri="{EFAFB233-063F-42B5-8137-9DF3F51BA10A}">
+      <p15:sldGuideLst xmlns:p15="http://schemas.microsoft.com/office/powerpoint/2012/main"/>
+    </p:ext>
+  </p:extLst>
 </p:presentation>
 </file>
 
@@ -4786,8 +4791,8 @@
       </dsp:nvSpPr>
       <dsp:spPr>
         <a:xfrm>
-          <a:off x="0" y="45774"/>
-          <a:ext cx="10010774" cy="630630"/>
+          <a:off x="0" y="38034"/>
+          <a:ext cx="10010774" cy="623610"/>
         </a:xfrm>
         <a:prstGeom prst="roundRect">
           <a:avLst/>
@@ -4818,12 +4823,12 @@
         </a:fontRef>
       </dsp:style>
       <dsp:txBody>
-        <a:bodyPr spcFirstLastPara="0" vert="horz" wrap="square" lIns="83820" tIns="83820" rIns="83820" bIns="83820" numCol="1" spcCol="1270" anchor="ctr" anchorCtr="0">
+        <a:bodyPr spcFirstLastPara="0" vert="horz" wrap="square" lIns="99060" tIns="99060" rIns="99060" bIns="99060" numCol="1" spcCol="1270" anchor="ctr" anchorCtr="0">
           <a:noAutofit/>
         </a:bodyPr>
         <a:lstStyle/>
         <a:p>
-          <a:pPr marL="0" lvl="0" indent="0" algn="r" defTabSz="977900">
+          <a:pPr marL="0" lvl="0" indent="0" algn="r" defTabSz="1155700">
             <a:lnSpc>
               <a:spcPct val="90000"/>
             </a:lnSpc>
@@ -4836,7 +4841,7 @@
             <a:buNone/>
           </a:pPr>
           <a:r>
-            <a:rPr lang="ar-SA" sz="2200" b="0" kern="1200" baseline="0" dirty="0">
+            <a:rPr lang="ar-SA" sz="2600" b="0" kern="1200" baseline="0" dirty="0">
               <a:solidFill>
                 <a:schemeClr val="tx1">
                   <a:lumMod val="85000"/>
@@ -4847,7 +4852,7 @@
             </a:rPr>
             <a:t>يكون موقعها غالباً على أطراف المدن وبعيدة.</a:t>
           </a:r>
-          <a:endParaRPr lang="en-US" sz="2200" kern="1200" dirty="0">
+          <a:endParaRPr lang="en-US" sz="2600" kern="1200" dirty="0">
             <a:solidFill>
               <a:schemeClr val="tx1">
                 <a:lumMod val="85000"/>
@@ -4859,8 +4864,8 @@
         </a:p>
       </dsp:txBody>
       <dsp:txXfrm>
-        <a:off x="30785" y="76559"/>
-        <a:ext cx="9949204" cy="569060"/>
+        <a:off x="30442" y="68476"/>
+        <a:ext cx="9949890" cy="562726"/>
       </dsp:txXfrm>
     </dsp:sp>
     <dsp:sp modelId="{CC7773A8-AD3A-45C1-AD2B-9252F7324DE2}">
@@ -4870,8 +4875,8 @@
       </dsp:nvSpPr>
       <dsp:spPr>
         <a:xfrm>
-          <a:off x="0" y="739764"/>
-          <a:ext cx="10010774" cy="630630"/>
+          <a:off x="0" y="736524"/>
+          <a:ext cx="10010774" cy="623610"/>
         </a:xfrm>
         <a:prstGeom prst="roundRect">
           <a:avLst/>
@@ -4902,12 +4907,12 @@
         </a:fontRef>
       </dsp:style>
       <dsp:txBody>
-        <a:bodyPr spcFirstLastPara="0" vert="horz" wrap="square" lIns="83820" tIns="83820" rIns="83820" bIns="83820" numCol="1" spcCol="1270" anchor="ctr" anchorCtr="0">
+        <a:bodyPr spcFirstLastPara="0" vert="horz" wrap="square" lIns="99060" tIns="99060" rIns="99060" bIns="99060" numCol="1" spcCol="1270" anchor="ctr" anchorCtr="0">
           <a:noAutofit/>
         </a:bodyPr>
         <a:lstStyle/>
         <a:p>
-          <a:pPr marL="0" lvl="0" indent="0" algn="r" defTabSz="977900">
+          <a:pPr marL="0" lvl="0" indent="0" algn="r" defTabSz="1155700">
             <a:lnSpc>
               <a:spcPct val="90000"/>
             </a:lnSpc>
@@ -4920,7 +4925,7 @@
             <a:buNone/>
           </a:pPr>
           <a:r>
-            <a:rPr lang="ar-SA" sz="2200" b="0" kern="1200" baseline="0" dirty="0">
+            <a:rPr lang="ar-SA" sz="2600" b="0" kern="1200" baseline="0" dirty="0">
               <a:solidFill>
                 <a:schemeClr val="tx1">
                   <a:lumMod val="85000"/>
@@ -4931,7 +4936,7 @@
             </a:rPr>
             <a:t>عدد المستودعات فيها كبير وبمساحات شاسعة.</a:t>
           </a:r>
-          <a:endParaRPr lang="en-US" sz="2200" kern="1200" dirty="0">
+          <a:endParaRPr lang="en-US" sz="2600" kern="1200" dirty="0">
             <a:solidFill>
               <a:schemeClr val="tx1">
                 <a:lumMod val="85000"/>
@@ -4943,8 +4948,8 @@
         </a:p>
       </dsp:txBody>
       <dsp:txXfrm>
-        <a:off x="30785" y="770549"/>
-        <a:ext cx="9949204" cy="569060"/>
+        <a:off x="30442" y="766966"/>
+        <a:ext cx="9949890" cy="562726"/>
       </dsp:txXfrm>
     </dsp:sp>
     <dsp:sp modelId="{E2EBBBE4-958E-4615-ACD8-490ADB8C704C}">
@@ -4954,8 +4959,8 @@
       </dsp:nvSpPr>
       <dsp:spPr>
         <a:xfrm>
-          <a:off x="0" y="1433754"/>
-          <a:ext cx="10010774" cy="630630"/>
+          <a:off x="0" y="1435014"/>
+          <a:ext cx="10010774" cy="623610"/>
         </a:xfrm>
         <a:prstGeom prst="roundRect">
           <a:avLst/>
@@ -4986,12 +4991,12 @@
         </a:fontRef>
       </dsp:style>
       <dsp:txBody>
-        <a:bodyPr spcFirstLastPara="0" vert="horz" wrap="square" lIns="83820" tIns="83820" rIns="83820" bIns="83820" numCol="1" spcCol="1270" anchor="ctr" anchorCtr="0">
+        <a:bodyPr spcFirstLastPara="0" vert="horz" wrap="square" lIns="99060" tIns="99060" rIns="99060" bIns="99060" numCol="1" spcCol="1270" anchor="ctr" anchorCtr="0">
           <a:noAutofit/>
         </a:bodyPr>
         <a:lstStyle/>
         <a:p>
-          <a:pPr marL="0" lvl="0" indent="0" algn="r" defTabSz="977900">
+          <a:pPr marL="0" lvl="0" indent="0" algn="r" defTabSz="1155700">
             <a:lnSpc>
               <a:spcPct val="90000"/>
             </a:lnSpc>
@@ -5004,7 +5009,7 @@
             <a:buNone/>
           </a:pPr>
           <a:r>
-            <a:rPr lang="ar-SA" sz="2200" kern="1200" dirty="0">
+            <a:rPr lang="ar-SA" sz="2600" kern="1200" dirty="0">
               <a:solidFill>
                 <a:schemeClr val="tx1">
                   <a:lumMod val="85000"/>
@@ -5015,7 +5020,7 @@
             </a:rPr>
             <a:t>يجب عليك البحث عن القطعة التي تريد في كل المستودعات وهذا مرهق جداً.</a:t>
           </a:r>
-          <a:endParaRPr lang="en-US" sz="2200" kern="1200" dirty="0">
+          <a:endParaRPr lang="en-US" sz="2600" kern="1200" dirty="0">
             <a:solidFill>
               <a:schemeClr val="tx1">
                 <a:lumMod val="85000"/>
@@ -5027,8 +5032,8 @@
         </a:p>
       </dsp:txBody>
       <dsp:txXfrm>
-        <a:off x="30785" y="1464539"/>
-        <a:ext cx="9949204" cy="569060"/>
+        <a:off x="30442" y="1465456"/>
+        <a:ext cx="9949890" cy="562726"/>
       </dsp:txXfrm>
     </dsp:sp>
     <dsp:sp modelId="{A66F1994-2A47-46DB-A42F-18FB380A349E}">
@@ -5038,8 +5043,8 @@
       </dsp:nvSpPr>
       <dsp:spPr>
         <a:xfrm>
-          <a:off x="0" y="2127745"/>
-          <a:ext cx="10010774" cy="630630"/>
+          <a:off x="0" y="2133505"/>
+          <a:ext cx="10010774" cy="623610"/>
         </a:xfrm>
         <a:prstGeom prst="roundRect">
           <a:avLst/>
@@ -5070,12 +5075,12 @@
         </a:fontRef>
       </dsp:style>
       <dsp:txBody>
-        <a:bodyPr spcFirstLastPara="0" vert="horz" wrap="square" lIns="83820" tIns="83820" rIns="83820" bIns="83820" numCol="1" spcCol="1270" anchor="ctr" anchorCtr="0">
+        <a:bodyPr spcFirstLastPara="0" vert="horz" wrap="square" lIns="99060" tIns="99060" rIns="99060" bIns="99060" numCol="1" spcCol="1270" anchor="ctr" anchorCtr="0">
           <a:noAutofit/>
         </a:bodyPr>
         <a:lstStyle/>
         <a:p>
-          <a:pPr marL="0" lvl="0" indent="0" algn="r" defTabSz="977900">
+          <a:pPr marL="0" lvl="0" indent="0" algn="r" defTabSz="1155700">
             <a:lnSpc>
               <a:spcPct val="90000"/>
             </a:lnSpc>
@@ -5088,7 +5093,7 @@
             <a:buNone/>
           </a:pPr>
           <a:r>
-            <a:rPr lang="ar-SA" sz="2200" b="0" kern="1200" baseline="0" dirty="0">
+            <a:rPr lang="ar-SA" sz="2600" b="0" kern="1200" baseline="0" dirty="0">
               <a:solidFill>
                 <a:schemeClr val="tx1">
                   <a:lumMod val="85000"/>
@@ -5099,7 +5104,7 @@
             </a:rPr>
             <a:t>لا تخلوا من الزيوت والشحوم سواءً على الأرضيات أو القطع.</a:t>
           </a:r>
-          <a:endParaRPr lang="en-US" sz="2200" kern="1200" dirty="0">
+          <a:endParaRPr lang="en-US" sz="2600" kern="1200" dirty="0">
             <a:solidFill>
               <a:schemeClr val="tx1">
                 <a:lumMod val="85000"/>
@@ -5111,8 +5116,8 @@
         </a:p>
       </dsp:txBody>
       <dsp:txXfrm>
-        <a:off x="30785" y="2158530"/>
-        <a:ext cx="9949204" cy="569060"/>
+        <a:off x="30442" y="2163947"/>
+        <a:ext cx="9949890" cy="562726"/>
       </dsp:txXfrm>
     </dsp:sp>
     <dsp:sp modelId="{3EE692B4-C1F8-4C63-9F9B-6A93A44947BD}">
@@ -5122,8 +5127,8 @@
       </dsp:nvSpPr>
       <dsp:spPr>
         <a:xfrm>
-          <a:off x="0" y="2821735"/>
-          <a:ext cx="10010774" cy="630630"/>
+          <a:off x="0" y="2831995"/>
+          <a:ext cx="10010774" cy="623610"/>
         </a:xfrm>
         <a:prstGeom prst="roundRect">
           <a:avLst/>
@@ -5154,12 +5159,12 @@
         </a:fontRef>
       </dsp:style>
       <dsp:txBody>
-        <a:bodyPr spcFirstLastPara="0" vert="horz" wrap="square" lIns="83820" tIns="83820" rIns="83820" bIns="83820" numCol="1" spcCol="1270" anchor="ctr" anchorCtr="0">
+        <a:bodyPr spcFirstLastPara="0" vert="horz" wrap="square" lIns="99060" tIns="99060" rIns="99060" bIns="99060" numCol="1" spcCol="1270" anchor="ctr" anchorCtr="0">
           <a:noAutofit/>
         </a:bodyPr>
         <a:lstStyle/>
         <a:p>
-          <a:pPr marL="0" lvl="0" indent="0" algn="r" defTabSz="977900">
+          <a:pPr marL="0" lvl="0" indent="0" algn="r" defTabSz="1155700">
             <a:lnSpc>
               <a:spcPct val="90000"/>
             </a:lnSpc>
@@ -5172,7 +5177,7 @@
             <a:buNone/>
           </a:pPr>
           <a:r>
-            <a:rPr lang="ar-SA" sz="2200" b="0" kern="1200" baseline="0" dirty="0">
+            <a:rPr lang="ar-SA" sz="2600" b="0" kern="1200" baseline="0" dirty="0">
               <a:solidFill>
                 <a:schemeClr val="tx1">
                   <a:lumMod val="85000"/>
@@ -5183,7 +5188,7 @@
             </a:rPr>
             <a:t>أوقات العمل فيها من بداية النهار حتى آذان المغرب.</a:t>
           </a:r>
-          <a:endParaRPr lang="en-US" sz="2200" kern="1200" dirty="0">
+          <a:endParaRPr lang="en-US" sz="2600" kern="1200" dirty="0">
             <a:solidFill>
               <a:schemeClr val="tx1">
                 <a:lumMod val="85000"/>
@@ -5195,8 +5200,8 @@
         </a:p>
       </dsp:txBody>
       <dsp:txXfrm>
-        <a:off x="30785" y="2852520"/>
-        <a:ext cx="9949204" cy="569060"/>
+        <a:off x="30442" y="2862437"/>
+        <a:ext cx="9949890" cy="562726"/>
       </dsp:txXfrm>
     </dsp:sp>
     <dsp:sp modelId="{45E57477-E5EE-47FD-ADD1-06FBC40D216D}">
@@ -5206,8 +5211,8 @@
       </dsp:nvSpPr>
       <dsp:spPr>
         <a:xfrm>
-          <a:off x="0" y="3515725"/>
-          <a:ext cx="10010774" cy="630630"/>
+          <a:off x="0" y="3530485"/>
+          <a:ext cx="10010774" cy="623610"/>
         </a:xfrm>
         <a:prstGeom prst="roundRect">
           <a:avLst/>
@@ -5238,12 +5243,12 @@
         </a:fontRef>
       </dsp:style>
       <dsp:txBody>
-        <a:bodyPr spcFirstLastPara="0" vert="horz" wrap="square" lIns="83820" tIns="83820" rIns="83820" bIns="83820" numCol="1" spcCol="1270" anchor="ctr" anchorCtr="0">
+        <a:bodyPr spcFirstLastPara="0" vert="horz" wrap="square" lIns="99060" tIns="99060" rIns="99060" bIns="99060" numCol="1" spcCol="1270" anchor="ctr" anchorCtr="0">
           <a:noAutofit/>
         </a:bodyPr>
         <a:lstStyle/>
         <a:p>
-          <a:pPr marL="0" lvl="0" indent="0" algn="r" defTabSz="977900">
+          <a:pPr marL="0" lvl="0" indent="0" algn="r" defTabSz="1155700">
             <a:lnSpc>
               <a:spcPct val="90000"/>
             </a:lnSpc>
@@ -5256,7 +5261,7 @@
             <a:buNone/>
           </a:pPr>
           <a:r>
-            <a:rPr lang="ar-SA" sz="2200" b="0" kern="1200" baseline="0" dirty="0">
+            <a:rPr lang="ar-SA" sz="2600" b="0" kern="1200" baseline="0" dirty="0">
               <a:solidFill>
                 <a:schemeClr val="tx1">
                   <a:lumMod val="85000"/>
@@ -5267,7 +5272,7 @@
             </a:rPr>
             <a:t>أسعار القطع متفاوت وغير مستقر.</a:t>
           </a:r>
-          <a:endParaRPr lang="en-US" sz="2200" kern="1200" dirty="0">
+          <a:endParaRPr lang="en-US" sz="2600" kern="1200" dirty="0">
             <a:solidFill>
               <a:schemeClr val="tx1">
                 <a:lumMod val="85000"/>
@@ -5279,8 +5284,8 @@
         </a:p>
       </dsp:txBody>
       <dsp:txXfrm>
-        <a:off x="30785" y="3546510"/>
-        <a:ext cx="9949204" cy="569060"/>
+        <a:off x="30442" y="3560927"/>
+        <a:ext cx="9949890" cy="562726"/>
       </dsp:txXfrm>
     </dsp:sp>
   </dsp:spTree>
@@ -5302,8 +5307,8 @@
       </dsp:nvSpPr>
       <dsp:spPr>
         <a:xfrm>
-          <a:off x="0" y="53823"/>
-          <a:ext cx="10010774" cy="768512"/>
+          <a:off x="0" y="5477"/>
+          <a:ext cx="10010774" cy="778635"/>
         </a:xfrm>
         <a:prstGeom prst="roundRect">
           <a:avLst/>
@@ -5366,12 +5371,12 @@
         </a:fontRef>
       </dsp:style>
       <dsp:txBody>
-        <a:bodyPr spcFirstLastPara="0" vert="horz" wrap="square" lIns="80010" tIns="80010" rIns="80010" bIns="80010" numCol="1" spcCol="1270" anchor="ctr" anchorCtr="0">
+        <a:bodyPr spcFirstLastPara="0" vert="horz" wrap="square" lIns="95250" tIns="95250" rIns="95250" bIns="95250" numCol="1" spcCol="1270" anchor="ctr" anchorCtr="0">
           <a:noAutofit/>
         </a:bodyPr>
         <a:lstStyle/>
         <a:p>
-          <a:pPr marL="0" lvl="0" indent="0" algn="r" defTabSz="933450">
+          <a:pPr marL="0" lvl="0" indent="0" algn="r" defTabSz="1111250">
             <a:lnSpc>
               <a:spcPct val="90000"/>
             </a:lnSpc>
@@ -5384,14 +5389,14 @@
             <a:buNone/>
           </a:pPr>
           <a:r>
-            <a:rPr lang="ar-SA" sz="2100" b="0" kern="1200" baseline="0" dirty="0">
+            <a:rPr lang="ar-SA" sz="2500" b="0" kern="1200" baseline="0" dirty="0">
               <a:latin typeface="29LT Zarid Slab SemiBold" panose="00000700000000000000" pitchFamily="2" charset="-78"/>
               <a:ea typeface="Tahoma" panose="020B0604030504040204" pitchFamily="34" charset="0"/>
               <a:cs typeface="29LT Zarid Slab SemiBold" panose="00000700000000000000" pitchFamily="2" charset="-78"/>
             </a:rPr>
             <a:t>لن تضطر للذهاب إلى هناك فالموقع يعرض لك كل ما تريد من جميع المستودعات.</a:t>
           </a:r>
-          <a:endParaRPr lang="en-US" sz="2100" kern="1200" dirty="0">
+          <a:endParaRPr lang="en-US" sz="2500" kern="1200" dirty="0">
             <a:latin typeface="29LT Zarid Slab SemiBold" panose="00000700000000000000" pitchFamily="2" charset="-78"/>
             <a:ea typeface="Tahoma" panose="020B0604030504040204" pitchFamily="34" charset="0"/>
             <a:cs typeface="29LT Zarid Slab SemiBold" panose="00000700000000000000" pitchFamily="2" charset="-78"/>
@@ -5399,8 +5404,8 @@
         </a:p>
       </dsp:txBody>
       <dsp:txXfrm>
-        <a:off x="37516" y="91339"/>
-        <a:ext cx="9935742" cy="693480"/>
+        <a:off x="38010" y="43487"/>
+        <a:ext cx="9934754" cy="702615"/>
       </dsp:txXfrm>
     </dsp:sp>
     <dsp:sp modelId="{CC7773A8-AD3A-45C1-AD2B-9252F7324DE2}">
@@ -5410,8 +5415,8 @@
       </dsp:nvSpPr>
       <dsp:spPr>
         <a:xfrm>
-          <a:off x="0" y="882815"/>
-          <a:ext cx="10010774" cy="768512"/>
+          <a:off x="0" y="856112"/>
+          <a:ext cx="10010774" cy="778635"/>
         </a:xfrm>
         <a:prstGeom prst="roundRect">
           <a:avLst/>
@@ -5474,12 +5479,12 @@
         </a:fontRef>
       </dsp:style>
       <dsp:txBody>
-        <a:bodyPr spcFirstLastPara="0" vert="horz" wrap="square" lIns="80010" tIns="80010" rIns="80010" bIns="80010" numCol="1" spcCol="1270" anchor="ctr" anchorCtr="0">
+        <a:bodyPr spcFirstLastPara="0" vert="horz" wrap="square" lIns="95250" tIns="95250" rIns="95250" bIns="95250" numCol="1" spcCol="1270" anchor="ctr" anchorCtr="0">
           <a:noAutofit/>
         </a:bodyPr>
         <a:lstStyle/>
         <a:p>
-          <a:pPr marL="0" lvl="0" indent="0" algn="r" defTabSz="933450">
+          <a:pPr marL="0" lvl="0" indent="0" algn="r" defTabSz="1111250">
             <a:lnSpc>
               <a:spcPct val="90000"/>
             </a:lnSpc>
@@ -5492,7 +5497,7 @@
             <a:buNone/>
           </a:pPr>
           <a:r>
-            <a:rPr lang="ar-SA" sz="2100" b="0" kern="1200" baseline="0" dirty="0">
+            <a:rPr lang="ar-SA" sz="2500" b="0" kern="1200" baseline="0" dirty="0">
               <a:latin typeface="29LT Zarid Slab SemiBold" panose="00000700000000000000" pitchFamily="2" charset="-78"/>
               <a:ea typeface="Tahoma" panose="020B0604030504040204" pitchFamily="34" charset="0"/>
               <a:cs typeface="29LT Zarid Slab SemiBold" panose="00000700000000000000" pitchFamily="2" charset="-78"/>
@@ -5502,8 +5507,8 @@
         </a:p>
       </dsp:txBody>
       <dsp:txXfrm>
-        <a:off x="37516" y="920331"/>
-        <a:ext cx="9935742" cy="693480"/>
+        <a:off x="38010" y="894122"/>
+        <a:ext cx="9934754" cy="702615"/>
       </dsp:txXfrm>
     </dsp:sp>
     <dsp:sp modelId="{A66F1994-2A47-46DB-A42F-18FB380A349E}">
@@ -5513,8 +5518,8 @@
       </dsp:nvSpPr>
       <dsp:spPr>
         <a:xfrm>
-          <a:off x="0" y="1711808"/>
-          <a:ext cx="10010774" cy="768512"/>
+          <a:off x="0" y="1706747"/>
+          <a:ext cx="10010774" cy="778635"/>
         </a:xfrm>
         <a:prstGeom prst="roundRect">
           <a:avLst/>
@@ -5577,12 +5582,12 @@
         </a:fontRef>
       </dsp:style>
       <dsp:txBody>
-        <a:bodyPr spcFirstLastPara="0" vert="horz" wrap="square" lIns="80010" tIns="80010" rIns="80010" bIns="80010" numCol="1" spcCol="1270" anchor="ctr" anchorCtr="0">
+        <a:bodyPr spcFirstLastPara="0" vert="horz" wrap="square" lIns="95250" tIns="95250" rIns="95250" bIns="95250" numCol="1" spcCol="1270" anchor="ctr" anchorCtr="0">
           <a:noAutofit/>
         </a:bodyPr>
         <a:lstStyle/>
         <a:p>
-          <a:pPr marL="0" lvl="0" indent="0" algn="r" defTabSz="933450">
+          <a:pPr marL="0" lvl="0" indent="0" algn="r" defTabSz="1111250">
             <a:lnSpc>
               <a:spcPct val="90000"/>
             </a:lnSpc>
@@ -5595,14 +5600,14 @@
             <a:buNone/>
           </a:pPr>
           <a:r>
-            <a:rPr lang="ar-SA" sz="2100" b="0" kern="1200" baseline="0" dirty="0">
+            <a:rPr lang="ar-SA" sz="2500" b="0" kern="1200" baseline="0" dirty="0">
               <a:latin typeface="29LT Zarid Slab SemiBold" panose="00000700000000000000" pitchFamily="2" charset="-78"/>
               <a:ea typeface="Tahoma" panose="020B0604030504040204" pitchFamily="34" charset="0"/>
               <a:cs typeface="29LT Zarid Slab SemiBold" panose="00000700000000000000" pitchFamily="2" charset="-78"/>
             </a:rPr>
             <a:t>تستطيع الشراء من هناك في أي وقت تريد.</a:t>
           </a:r>
-          <a:endParaRPr lang="en-US" sz="2100" kern="1200" dirty="0">
+          <a:endParaRPr lang="en-US" sz="2500" kern="1200" dirty="0">
             <a:latin typeface="29LT Zarid Slab SemiBold" panose="00000700000000000000" pitchFamily="2" charset="-78"/>
             <a:ea typeface="Tahoma" panose="020B0604030504040204" pitchFamily="34" charset="0"/>
             <a:cs typeface="29LT Zarid Slab SemiBold" panose="00000700000000000000" pitchFamily="2" charset="-78"/>
@@ -5610,8 +5615,8 @@
         </a:p>
       </dsp:txBody>
       <dsp:txXfrm>
-        <a:off x="37516" y="1749324"/>
-        <a:ext cx="9935742" cy="693480"/>
+        <a:off x="38010" y="1744757"/>
+        <a:ext cx="9934754" cy="702615"/>
       </dsp:txXfrm>
     </dsp:sp>
     <dsp:sp modelId="{3EE692B4-C1F8-4C63-9F9B-6A93A44947BD}">
@@ -5621,8 +5626,8 @@
       </dsp:nvSpPr>
       <dsp:spPr>
         <a:xfrm>
-          <a:off x="0" y="2540801"/>
-          <a:ext cx="10010774" cy="768512"/>
+          <a:off x="0" y="2557382"/>
+          <a:ext cx="10010774" cy="778635"/>
         </a:xfrm>
         <a:prstGeom prst="roundRect">
           <a:avLst/>
@@ -5685,12 +5690,12 @@
         </a:fontRef>
       </dsp:style>
       <dsp:txBody>
-        <a:bodyPr spcFirstLastPara="0" vert="horz" wrap="square" lIns="80010" tIns="80010" rIns="80010" bIns="80010" numCol="1" spcCol="1270" anchor="ctr" anchorCtr="0">
+        <a:bodyPr spcFirstLastPara="0" vert="horz" wrap="square" lIns="95250" tIns="95250" rIns="95250" bIns="95250" numCol="1" spcCol="1270" anchor="ctr" anchorCtr="0">
           <a:noAutofit/>
         </a:bodyPr>
         <a:lstStyle/>
         <a:p>
-          <a:pPr marL="0" lvl="0" indent="0" algn="r" defTabSz="933450">
+          <a:pPr marL="0" lvl="0" indent="0" algn="r" defTabSz="1111250">
             <a:lnSpc>
               <a:spcPct val="90000"/>
             </a:lnSpc>
@@ -5703,14 +5708,14 @@
             <a:buNone/>
           </a:pPr>
           <a:r>
-            <a:rPr lang="ar-SA" sz="2100" b="0" kern="1200" baseline="0" dirty="0">
+            <a:rPr lang="ar-SA" sz="2500" b="0" kern="1200" baseline="0" dirty="0">
               <a:latin typeface="29LT Zarid Slab SemiBold" panose="00000700000000000000" pitchFamily="2" charset="-78"/>
               <a:ea typeface="Tahoma" panose="020B0604030504040204" pitchFamily="34" charset="0"/>
               <a:cs typeface="29LT Zarid Slab SemiBold" panose="00000700000000000000" pitchFamily="2" charset="-78"/>
             </a:rPr>
             <a:t>سيضطر أصحاب المستودعات إلى التنافس في الأسعار وهذا من مصلحة المستخدم.</a:t>
           </a:r>
-          <a:endParaRPr lang="en-US" sz="2100" kern="1200" dirty="0">
+          <a:endParaRPr lang="en-US" sz="2500" kern="1200" dirty="0">
             <a:latin typeface="29LT Zarid Slab SemiBold" panose="00000700000000000000" pitchFamily="2" charset="-78"/>
             <a:ea typeface="Tahoma" panose="020B0604030504040204" pitchFamily="34" charset="0"/>
             <a:cs typeface="29LT Zarid Slab SemiBold" panose="00000700000000000000" pitchFamily="2" charset="-78"/>
@@ -5718,8 +5723,8 @@
         </a:p>
       </dsp:txBody>
       <dsp:txXfrm>
-        <a:off x="37516" y="2578317"/>
-        <a:ext cx="9935742" cy="693480"/>
+        <a:off x="38010" y="2595392"/>
+        <a:ext cx="9934754" cy="702615"/>
       </dsp:txXfrm>
     </dsp:sp>
     <dsp:sp modelId="{57C893C3-0897-43B4-824A-E0A890773728}">
@@ -5729,8 +5734,8 @@
       </dsp:nvSpPr>
       <dsp:spPr>
         <a:xfrm>
-          <a:off x="0" y="3369794"/>
-          <a:ext cx="10010774" cy="768512"/>
+          <a:off x="0" y="3408017"/>
+          <a:ext cx="10010774" cy="778635"/>
         </a:xfrm>
         <a:prstGeom prst="roundRect">
           <a:avLst/>
@@ -5793,12 +5798,12 @@
         </a:fontRef>
       </dsp:style>
       <dsp:txBody>
-        <a:bodyPr spcFirstLastPara="0" vert="horz" wrap="square" lIns="80010" tIns="80010" rIns="80010" bIns="80010" numCol="1" spcCol="1270" anchor="ctr" anchorCtr="0">
+        <a:bodyPr spcFirstLastPara="0" vert="horz" wrap="square" lIns="95250" tIns="95250" rIns="95250" bIns="95250" numCol="1" spcCol="1270" anchor="ctr" anchorCtr="0">
           <a:noAutofit/>
         </a:bodyPr>
         <a:lstStyle/>
         <a:p>
-          <a:pPr marL="0" lvl="0" indent="0" algn="r" defTabSz="933450">
+          <a:pPr marL="0" lvl="0" indent="0" algn="r" defTabSz="1111250">
             <a:lnSpc>
               <a:spcPct val="90000"/>
             </a:lnSpc>
@@ -5811,14 +5816,14 @@
             <a:buNone/>
           </a:pPr>
           <a:r>
-            <a:rPr lang="ar-SA" sz="2100" b="0" kern="1200" baseline="0" dirty="0">
+            <a:rPr lang="ar-SA" sz="2500" b="0" kern="1200" baseline="0" dirty="0">
               <a:latin typeface="29LT Zarid Slab SemiBold" panose="00000700000000000000" pitchFamily="2" charset="-78"/>
               <a:ea typeface="Tahoma" panose="020B0604030504040204" pitchFamily="34" charset="0"/>
               <a:cs typeface="29LT Zarid Slab SemiBold" panose="00000700000000000000" pitchFamily="2" charset="-78"/>
             </a:rPr>
             <a:t>سيستفيد أصحاب المستودعات كذلك من البيع بشكل أكبر.</a:t>
           </a:r>
-          <a:endParaRPr lang="en-US" sz="2100" kern="1200" dirty="0">
+          <a:endParaRPr lang="en-US" sz="2500" kern="1200" dirty="0">
             <a:latin typeface="29LT Zarid Slab SemiBold" panose="00000700000000000000" pitchFamily="2" charset="-78"/>
             <a:ea typeface="Tahoma" panose="020B0604030504040204" pitchFamily="34" charset="0"/>
             <a:cs typeface="29LT Zarid Slab SemiBold" panose="00000700000000000000" pitchFamily="2" charset="-78"/>
@@ -5826,8 +5831,8 @@
         </a:p>
       </dsp:txBody>
       <dsp:txXfrm>
-        <a:off x="37516" y="3407310"/>
-        <a:ext cx="9935742" cy="693480"/>
+        <a:off x="38010" y="3446027"/>
+        <a:ext cx="9934754" cy="702615"/>
       </dsp:txXfrm>
     </dsp:sp>
   </dsp:spTree>
@@ -5849,8 +5854,8 @@
       </dsp:nvSpPr>
       <dsp:spPr>
         <a:xfrm>
-          <a:off x="0" y="0"/>
-          <a:ext cx="3018178" cy="764424"/>
+          <a:off x="0" y="854"/>
+          <a:ext cx="3018178" cy="751577"/>
         </a:xfrm>
         <a:prstGeom prst="roundRect">
           <a:avLst/>
@@ -5946,8 +5951,8 @@
         </a:p>
       </dsp:txBody>
       <dsp:txXfrm>
-        <a:off x="37316" y="37316"/>
-        <a:ext cx="2943546" cy="689792"/>
+        <a:off x="36689" y="37543"/>
+        <a:ext cx="2944800" cy="678199"/>
       </dsp:txXfrm>
     </dsp:sp>
     <dsp:sp modelId="{CC7773A8-AD3A-45C1-AD2B-9252F7324DE2}">
@@ -5957,8 +5962,8 @@
       </dsp:nvSpPr>
       <dsp:spPr>
         <a:xfrm>
-          <a:off x="0" y="880656"/>
-          <a:ext cx="3018178" cy="764424"/>
+          <a:off x="0" y="891287"/>
+          <a:ext cx="3018178" cy="751577"/>
         </a:xfrm>
         <a:prstGeom prst="roundRect">
           <a:avLst/>
@@ -6054,8 +6059,8 @@
         </a:p>
       </dsp:txBody>
       <dsp:txXfrm>
-        <a:off x="37316" y="917972"/>
-        <a:ext cx="2943546" cy="689792"/>
+        <a:off x="36689" y="927976"/>
+        <a:ext cx="2944800" cy="678199"/>
       </dsp:txXfrm>
     </dsp:sp>
     <dsp:sp modelId="{A66F1994-2A47-46DB-A42F-18FB380A349E}">
@@ -6065,8 +6070,8 @@
       </dsp:nvSpPr>
       <dsp:spPr>
         <a:xfrm>
-          <a:off x="0" y="1705561"/>
-          <a:ext cx="3018178" cy="764424"/>
+          <a:off x="0" y="1711984"/>
+          <a:ext cx="3018178" cy="751577"/>
         </a:xfrm>
         <a:prstGeom prst="roundRect">
           <a:avLst/>
@@ -6162,8 +6167,8 @@
         </a:p>
       </dsp:txBody>
       <dsp:txXfrm>
-        <a:off x="37316" y="1742877"/>
-        <a:ext cx="2943546" cy="689792"/>
+        <a:off x="36689" y="1748673"/>
+        <a:ext cx="2944800" cy="678199"/>
       </dsp:txXfrm>
     </dsp:sp>
     <dsp:sp modelId="{3EE692B4-C1F8-4C63-9F9B-6A93A44947BD}">
@@ -6173,8 +6178,8 @@
       </dsp:nvSpPr>
       <dsp:spPr>
         <a:xfrm>
-          <a:off x="0" y="2530465"/>
-          <a:ext cx="3018178" cy="764424"/>
+          <a:off x="0" y="2532682"/>
+          <a:ext cx="3018178" cy="751577"/>
         </a:xfrm>
         <a:prstGeom prst="roundRect">
           <a:avLst/>
@@ -6278,8 +6283,8 @@
         </a:p>
       </dsp:txBody>
       <dsp:txXfrm>
-        <a:off x="37316" y="2567781"/>
-        <a:ext cx="2943546" cy="689792"/>
+        <a:off x="36689" y="2569371"/>
+        <a:ext cx="2944800" cy="678199"/>
       </dsp:txXfrm>
     </dsp:sp>
     <dsp:sp modelId="{57C893C3-0897-43B4-824A-E0A890773728}">
@@ -6289,8 +6294,8 @@
       </dsp:nvSpPr>
       <dsp:spPr>
         <a:xfrm>
-          <a:off x="0" y="3355370"/>
-          <a:ext cx="3018178" cy="764424"/>
+          <a:off x="0" y="3353379"/>
+          <a:ext cx="3018178" cy="751577"/>
         </a:xfrm>
         <a:prstGeom prst="roundRect">
           <a:avLst/>
@@ -6353,12 +6358,12 @@
         </a:fontRef>
       </dsp:style>
       <dsp:txBody>
-        <a:bodyPr spcFirstLastPara="0" vert="horz" wrap="square" lIns="80010" tIns="80010" rIns="80010" bIns="80010" numCol="1" spcCol="1270" anchor="ctr" anchorCtr="0">
+        <a:bodyPr spcFirstLastPara="0" vert="horz" wrap="square" lIns="91440" tIns="91440" rIns="91440" bIns="91440" numCol="1" spcCol="1270" anchor="ctr" anchorCtr="0">
           <a:noAutofit/>
         </a:bodyPr>
         <a:lstStyle/>
         <a:p>
-          <a:pPr marL="0" lvl="0" indent="0" algn="l" defTabSz="933450">
+          <a:pPr marL="0" lvl="0" indent="0" algn="l" defTabSz="1066800">
             <a:lnSpc>
               <a:spcPct val="90000"/>
             </a:lnSpc>
@@ -6371,14 +6376,14 @@
             <a:buNone/>
           </a:pPr>
           <a:r>
-            <a:rPr lang="en-US" sz="2100" b="0" kern="1200" baseline="0" dirty="0">
+            <a:rPr lang="en-US" sz="2400" b="0" kern="1200" baseline="0" dirty="0">
               <a:latin typeface="29LT Zarid Slab SemiBold" panose="00000700000000000000" pitchFamily="2" charset="-78"/>
               <a:ea typeface="Tahoma" panose="020B0604030504040204" pitchFamily="34" charset="0"/>
               <a:cs typeface="29LT Zarid Slab SemiBold" panose="00000700000000000000" pitchFamily="2" charset="-78"/>
             </a:rPr>
             <a:t>Git</a:t>
           </a:r>
-          <a:endParaRPr lang="en-US" sz="2100" kern="1200" dirty="0">
+          <a:endParaRPr lang="en-US" sz="2400" kern="1200" dirty="0">
             <a:latin typeface="29LT Zarid Slab SemiBold" panose="00000700000000000000" pitchFamily="2" charset="-78"/>
             <a:ea typeface="Tahoma" panose="020B0604030504040204" pitchFamily="34" charset="0"/>
             <a:cs typeface="29LT Zarid Slab SemiBold" panose="00000700000000000000" pitchFamily="2" charset="-78"/>
@@ -6386,8 +6391,8 @@
         </a:p>
       </dsp:txBody>
       <dsp:txXfrm>
-        <a:off x="37316" y="3392686"/>
-        <a:ext cx="2943546" cy="689792"/>
+        <a:off x="36689" y="3390068"/>
+        <a:ext cx="2944800" cy="678199"/>
       </dsp:txXfrm>
     </dsp:sp>
   </dsp:spTree>
@@ -6409,8 +6414,8 @@
       </dsp:nvSpPr>
       <dsp:spPr>
         <a:xfrm>
-          <a:off x="0" y="0"/>
-          <a:ext cx="3018178" cy="764424"/>
+          <a:off x="0" y="854"/>
+          <a:ext cx="3018178" cy="751577"/>
         </a:xfrm>
         <a:prstGeom prst="roundRect">
           <a:avLst/>
@@ -6506,8 +6511,8 @@
         </a:p>
       </dsp:txBody>
       <dsp:txXfrm>
-        <a:off x="37316" y="37316"/>
-        <a:ext cx="2943546" cy="689792"/>
+        <a:off x="36689" y="37543"/>
+        <a:ext cx="2944800" cy="678199"/>
       </dsp:txXfrm>
     </dsp:sp>
     <dsp:sp modelId="{CC7773A8-AD3A-45C1-AD2B-9252F7324DE2}">
@@ -6517,8 +6522,8 @@
       </dsp:nvSpPr>
       <dsp:spPr>
         <a:xfrm>
-          <a:off x="0" y="880656"/>
-          <a:ext cx="3018178" cy="764424"/>
+          <a:off x="0" y="891287"/>
+          <a:ext cx="3018178" cy="751577"/>
         </a:xfrm>
         <a:prstGeom prst="roundRect">
           <a:avLst/>
@@ -6614,8 +6619,8 @@
         </a:p>
       </dsp:txBody>
       <dsp:txXfrm>
-        <a:off x="37316" y="917972"/>
-        <a:ext cx="2943546" cy="689792"/>
+        <a:off x="36689" y="927976"/>
+        <a:ext cx="2944800" cy="678199"/>
       </dsp:txXfrm>
     </dsp:sp>
     <dsp:sp modelId="{A66F1994-2A47-46DB-A42F-18FB380A349E}">
@@ -6625,8 +6630,8 @@
       </dsp:nvSpPr>
       <dsp:spPr>
         <a:xfrm>
-          <a:off x="0" y="1705561"/>
-          <a:ext cx="3018178" cy="764424"/>
+          <a:off x="0" y="1711984"/>
+          <a:ext cx="3018178" cy="751577"/>
         </a:xfrm>
         <a:prstGeom prst="roundRect">
           <a:avLst/>
@@ -6722,8 +6727,8 @@
         </a:p>
       </dsp:txBody>
       <dsp:txXfrm>
-        <a:off x="37316" y="1742877"/>
-        <a:ext cx="2943546" cy="689792"/>
+        <a:off x="36689" y="1748673"/>
+        <a:ext cx="2944800" cy="678199"/>
       </dsp:txXfrm>
     </dsp:sp>
     <dsp:sp modelId="{3EE692B4-C1F8-4C63-9F9B-6A93A44947BD}">
@@ -6733,8 +6738,8 @@
       </dsp:nvSpPr>
       <dsp:spPr>
         <a:xfrm>
-          <a:off x="0" y="2530465"/>
-          <a:ext cx="3018178" cy="764424"/>
+          <a:off x="0" y="2532682"/>
+          <a:ext cx="3018178" cy="751577"/>
         </a:xfrm>
         <a:prstGeom prst="roundRect">
           <a:avLst/>
@@ -6830,8 +6835,8 @@
         </a:p>
       </dsp:txBody>
       <dsp:txXfrm>
-        <a:off x="37316" y="2567781"/>
-        <a:ext cx="2943546" cy="689792"/>
+        <a:off x="36689" y="2569371"/>
+        <a:ext cx="2944800" cy="678199"/>
       </dsp:txXfrm>
     </dsp:sp>
     <dsp:sp modelId="{57C893C3-0897-43B4-824A-E0A890773728}">
@@ -6841,8 +6846,8 @@
       </dsp:nvSpPr>
       <dsp:spPr>
         <a:xfrm>
-          <a:off x="0" y="3355370"/>
-          <a:ext cx="3018178" cy="764424"/>
+          <a:off x="0" y="3353379"/>
+          <a:ext cx="3018178" cy="751577"/>
         </a:xfrm>
         <a:prstGeom prst="roundRect">
           <a:avLst/>
@@ -6905,12 +6910,12 @@
         </a:fontRef>
       </dsp:style>
       <dsp:txBody>
-        <a:bodyPr spcFirstLastPara="0" vert="horz" wrap="square" lIns="80010" tIns="80010" rIns="80010" bIns="80010" numCol="1" spcCol="1270" anchor="ctr" anchorCtr="0">
+        <a:bodyPr spcFirstLastPara="0" vert="horz" wrap="square" lIns="91440" tIns="91440" rIns="91440" bIns="91440" numCol="1" spcCol="1270" anchor="ctr" anchorCtr="0">
           <a:noAutofit/>
         </a:bodyPr>
         <a:lstStyle/>
         <a:p>
-          <a:pPr marL="0" lvl="0" indent="0" algn="l" defTabSz="933450">
+          <a:pPr marL="0" lvl="0" indent="0" algn="l" defTabSz="1066800">
             <a:lnSpc>
               <a:spcPct val="90000"/>
             </a:lnSpc>
@@ -6923,14 +6928,14 @@
             <a:buNone/>
           </a:pPr>
           <a:r>
-            <a:rPr lang="en-US" sz="2100" b="0" kern="1200" baseline="0" dirty="0">
+            <a:rPr lang="en-US" sz="2400" b="0" kern="1200" baseline="0" dirty="0">
               <a:latin typeface="29LT Zarid Slab SemiBold" panose="00000700000000000000" pitchFamily="2" charset="-78"/>
               <a:ea typeface="Tahoma" panose="020B0604030504040204" pitchFamily="34" charset="0"/>
               <a:cs typeface="29LT Zarid Slab SemiBold" panose="00000700000000000000" pitchFamily="2" charset="-78"/>
             </a:rPr>
             <a:t>Git hub</a:t>
           </a:r>
-          <a:endParaRPr lang="en-US" sz="2100" kern="1200" dirty="0">
+          <a:endParaRPr lang="en-US" sz="2400" kern="1200" dirty="0">
             <a:latin typeface="29LT Zarid Slab SemiBold" panose="00000700000000000000" pitchFamily="2" charset="-78"/>
             <a:ea typeface="Tahoma" panose="020B0604030504040204" pitchFamily="34" charset="0"/>
             <a:cs typeface="29LT Zarid Slab SemiBold" panose="00000700000000000000" pitchFamily="2" charset="-78"/>
@@ -6938,8 +6943,8 @@
         </a:p>
       </dsp:txBody>
       <dsp:txXfrm>
-        <a:off x="37316" y="3392686"/>
-        <a:ext cx="2943546" cy="689792"/>
+        <a:off x="36689" y="3390068"/>
+        <a:ext cx="2944800" cy="678199"/>
       </dsp:txXfrm>
     </dsp:sp>
   </dsp:spTree>
@@ -29917,7 +29922,7 @@
         </p:nvSpPr>
         <p:spPr>
           <a:xfrm>
-            <a:off x="1" y="0"/>
+            <a:off x="1" y="8878"/>
             <a:ext cx="12192000" cy="6858000"/>
           </a:xfrm>
           <a:prstGeom prst="rect">
@@ -30435,8 +30440,8 @@
         </p:nvSpPr>
         <p:spPr>
           <a:xfrm>
-            <a:off x="3584575" y="4919749"/>
-            <a:ext cx="1069608" cy="459936"/>
+            <a:off x="3584574" y="4919749"/>
+            <a:ext cx="1372235" cy="459936"/>
           </a:xfrm>
           <a:prstGeom prst="wedgeRectCallout">
             <a:avLst>
@@ -30494,8 +30499,8 @@
         </p:nvSpPr>
         <p:spPr>
           <a:xfrm>
-            <a:off x="3554984" y="4884176"/>
-            <a:ext cx="1508672" cy="492443"/>
+            <a:off x="3529508" y="4884543"/>
+            <a:ext cx="1457490" cy="492443"/>
           </a:xfrm>
           <a:prstGeom prst="rect">
             <a:avLst/>
@@ -30508,6 +30513,7 @@
           </a:bodyPr>
           <a:lstStyle/>
           <a:p>
+            <a:pPr algn="ctr"/>
             <a:r>
               <a:rPr lang="ar-SA" sz="1300" b="1" dirty="0">
                 <a:solidFill>
@@ -30523,6 +30529,7 @@
             </a:r>
           </a:p>
           <a:p>
+            <a:pPr algn="ctr"/>
             <a:r>
               <a:rPr lang="ar-SA" sz="1300" b="1" dirty="0">
                 <a:solidFill>
@@ -30563,8 +30570,8 @@
         </p:nvSpPr>
         <p:spPr>
           <a:xfrm>
-            <a:off x="7559734" y="2980824"/>
-            <a:ext cx="1080064" cy="487890"/>
+            <a:off x="7559733" y="2980824"/>
+            <a:ext cx="1258511" cy="487890"/>
           </a:xfrm>
           <a:prstGeom prst="wedgeRectCallout">
             <a:avLst>
@@ -30622,8 +30629,8 @@
         </p:nvSpPr>
         <p:spPr>
           <a:xfrm>
-            <a:off x="7581674" y="2976271"/>
-            <a:ext cx="1508672" cy="492443"/>
+            <a:off x="7529203" y="2980824"/>
+            <a:ext cx="1387066" cy="492443"/>
           </a:xfrm>
           <a:prstGeom prst="rect">
             <a:avLst/>
@@ -30636,6 +30643,7 @@
           </a:bodyPr>
           <a:lstStyle/>
           <a:p>
+            <a:pPr algn="ctr"/>
             <a:r>
               <a:rPr lang="ar-SA" sz="1300" b="1" dirty="0">
                 <a:solidFill>
@@ -30651,6 +30659,7 @@
             </a:r>
           </a:p>
           <a:p>
+            <a:pPr algn="ctr"/>
             <a:r>
               <a:rPr lang="ar-SA" sz="1300" b="1" dirty="0">
                 <a:solidFill>
